--- a/P4_02_RAPPORTOPTIMISATION.pptx
+++ b/P4_02_RAPPORTOPTIMISATION.pptx
@@ -5,7 +5,7 @@
     <p:sldMasterId id="2147483672" r:id="rId1"/>
   </p:sldMasterIdLst>
   <p:notesMasterIdLst>
-    <p:notesMasterId r:id="rId24"/>
+    <p:notesMasterId r:id="rId25"/>
   </p:notesMasterIdLst>
   <p:sldIdLst>
     <p:sldId id="256" r:id="rId2"/>
@@ -26,10 +26,11 @@
     <p:sldId id="280" r:id="rId17"/>
     <p:sldId id="281" r:id="rId18"/>
     <p:sldId id="282" r:id="rId19"/>
-    <p:sldId id="286" r:id="rId20"/>
-    <p:sldId id="283" r:id="rId21"/>
-    <p:sldId id="284" r:id="rId22"/>
-    <p:sldId id="291" r:id="rId23"/>
+    <p:sldId id="292" r:id="rId20"/>
+    <p:sldId id="286" r:id="rId21"/>
+    <p:sldId id="283" r:id="rId22"/>
+    <p:sldId id="284" r:id="rId23"/>
+    <p:sldId id="291" r:id="rId24"/>
   </p:sldIdLst>
   <p:sldSz cx="9144000" cy="6858000" type="screen4x3"/>
   <p:notesSz cx="6858000" cy="9144000"/>
@@ -1329,12 +1330,64 @@
           <a:lstStyle/>
           <a:p>
             <a:r>
+              <a:rPr lang="en-GB" dirty="0" smtClean="0"/>
+              <a:t>Temps de </a:t>
+            </a:r>
+            <a:r>
               <a:rPr lang="en-GB" dirty="0" err="1" smtClean="0"/>
-              <a:t>Ajout</a:t>
-            </a:r>
-            <a:r>
-              <a:rPr lang="en-GB" dirty="0" smtClean="0"/>
-              <a:t> “.”</a:t>
+              <a:t>chargement</a:t>
+            </a:r>
+            <a:r>
+              <a:rPr lang="en-GB" baseline="0" dirty="0" smtClean="0"/>
+              <a:t> </a:t>
+            </a:r>
+            <a:r>
+              <a:rPr lang="en-GB" baseline="0" dirty="0" err="1" smtClean="0"/>
+              <a:t>idéal</a:t>
+            </a:r>
+            <a:r>
+              <a:rPr lang="en-GB" baseline="0" dirty="0" smtClean="0"/>
+              <a:t> </a:t>
+            </a:r>
+            <a:r>
+              <a:rPr lang="en-GB" baseline="0" dirty="0" err="1" smtClean="0"/>
+              <a:t>est</a:t>
+            </a:r>
+            <a:r>
+              <a:rPr lang="en-GB" baseline="0" dirty="0" smtClean="0"/>
+              <a:t> </a:t>
+            </a:r>
+            <a:r>
+              <a:rPr lang="en-GB" baseline="0" dirty="0" err="1" smtClean="0"/>
+              <a:t>d’environ</a:t>
+            </a:r>
+            <a:r>
+              <a:rPr lang="en-GB" baseline="0" dirty="0" smtClean="0"/>
+              <a:t> 3 </a:t>
+            </a:r>
+            <a:r>
+              <a:rPr lang="en-GB" baseline="0" dirty="0" err="1" smtClean="0"/>
+              <a:t>secondes</a:t>
+            </a:r>
+            <a:r>
+              <a:rPr lang="en-GB" baseline="0" dirty="0" smtClean="0"/>
+              <a:t> </a:t>
+            </a:r>
+            <a:r>
+              <a:rPr lang="en-GB" baseline="0" dirty="0" err="1" smtClean="0"/>
+              <a:t>ou</a:t>
+            </a:r>
+            <a:r>
+              <a:rPr lang="en-GB" baseline="0" dirty="0" smtClean="0"/>
+              <a:t> </a:t>
+            </a:r>
+            <a:r>
+              <a:rPr lang="en-GB" baseline="0" dirty="0" err="1" smtClean="0"/>
+              <a:t>moins</a:t>
+            </a:r>
+            <a:r>
+              <a:rPr lang="en-GB" baseline="0" dirty="0" smtClean="0"/>
+              <a:t>. (analyse uptrend)</a:t>
             </a:r>
             <a:endParaRPr lang="en-GB" dirty="0"/>
           </a:p>
@@ -1366,7 +1419,7 @@
     </p:spTree>
     <p:extLst>
       <p:ext uri="{BB962C8B-B14F-4D97-AF65-F5344CB8AC3E}">
-        <p14:creationId xmlns:p14="http://schemas.microsoft.com/office/powerpoint/2010/main" val="2446018658"/>
+        <p14:creationId xmlns:p14="http://schemas.microsoft.com/office/powerpoint/2010/main" val="4058962670"/>
       </p:ext>
     </p:extLst>
   </p:cSld>
@@ -1421,20 +1474,12 @@
           <a:lstStyle/>
           <a:p>
             <a:r>
-              <a:rPr lang="fr-FR" sz="1200" b="0" i="0" u="none" strike="noStrike" kern="1200" dirty="0" smtClean="0">
-                <a:solidFill>
-                  <a:schemeClr val="tx1"/>
-                </a:solidFill>
-                <a:effectLst/>
-                <a:latin typeface="+mn-lt"/>
-                <a:ea typeface="+mn-ea"/>
-                <a:cs typeface="+mn-cs"/>
-              </a:rPr>
-              <a:t>Les scripts peuvent venir bloquer le chargement de la page</a:t>
-            </a:r>
-            <a:r>
-              <a:rPr lang="fr-FR" dirty="0" smtClean="0"/>
-              <a:t> </a:t>
+              <a:rPr lang="en-GB" dirty="0" err="1" smtClean="0"/>
+              <a:t>Ajout</a:t>
+            </a:r>
+            <a:r>
+              <a:rPr lang="en-GB" dirty="0" smtClean="0"/>
+              <a:t> “.”</a:t>
             </a:r>
             <a:endParaRPr lang="en-GB" dirty="0"/>
           </a:p>
@@ -1466,7 +1511,7 @@
     </p:spTree>
     <p:extLst>
       <p:ext uri="{BB962C8B-B14F-4D97-AF65-F5344CB8AC3E}">
-        <p14:creationId xmlns:p14="http://schemas.microsoft.com/office/powerpoint/2010/main" val="2627405688"/>
+        <p14:creationId xmlns:p14="http://schemas.microsoft.com/office/powerpoint/2010/main" val="2446018658"/>
       </p:ext>
     </p:extLst>
   </p:cSld>
@@ -1520,6 +1565,106 @@
           <a:bodyPr/>
           <a:lstStyle/>
           <a:p>
+            <a:r>
+              <a:rPr lang="fr-FR" sz="1200" b="0" i="0" u="none" strike="noStrike" kern="1200" dirty="0" smtClean="0">
+                <a:solidFill>
+                  <a:schemeClr val="tx1"/>
+                </a:solidFill>
+                <a:effectLst/>
+                <a:latin typeface="+mn-lt"/>
+                <a:ea typeface="+mn-ea"/>
+                <a:cs typeface="+mn-cs"/>
+              </a:rPr>
+              <a:t>Les scripts peuvent venir bloquer le chargement de la page</a:t>
+            </a:r>
+            <a:r>
+              <a:rPr lang="fr-FR" dirty="0" smtClean="0"/>
+              <a:t> </a:t>
+            </a:r>
+            <a:endParaRPr lang="en-GB" dirty="0"/>
+          </a:p>
+        </p:txBody>
+      </p:sp>
+      <p:sp>
+        <p:nvSpPr>
+          <p:cNvPr id="4" name="Espace réservé du numéro de diapositive 3"/>
+          <p:cNvSpPr>
+            <a:spLocks noGrp="1"/>
+          </p:cNvSpPr>
+          <p:nvPr>
+            <p:ph type="sldNum" sz="quarter" idx="10"/>
+          </p:nvPr>
+        </p:nvSpPr>
+        <p:spPr/>
+        <p:txBody>
+          <a:bodyPr/>
+          <a:lstStyle/>
+          <a:p>
+            <a:fld id="{A9FC9196-54BB-AD41-9E0F-AAFC909136A4}" type="slidenum">
+              <a:rPr lang="en-GB" smtClean="0"/>
+              <a:t>21</a:t>
+            </a:fld>
+            <a:endParaRPr lang="en-GB"/>
+          </a:p>
+        </p:txBody>
+      </p:sp>
+    </p:spTree>
+    <p:extLst>
+      <p:ext uri="{BB962C8B-B14F-4D97-AF65-F5344CB8AC3E}">
+        <p14:creationId xmlns:p14="http://schemas.microsoft.com/office/powerpoint/2010/main" val="2627405688"/>
+      </p:ext>
+    </p:extLst>
+  </p:cSld>
+  <p:clrMapOvr>
+    <a:masterClrMapping/>
+  </p:clrMapOvr>
+</p:notes>
+</file>
+
+<file path=ppt/notesSlides/notesSlide18.xml><?xml version="1.0" encoding="utf-8"?>
+<p:notes xmlns:a="http://schemas.openxmlformats.org/drawingml/2006/main" xmlns:r="http://schemas.openxmlformats.org/officeDocument/2006/relationships" xmlns:p="http://schemas.openxmlformats.org/presentationml/2006/main">
+  <p:cSld>
+    <p:spTree>
+      <p:nvGrpSpPr>
+        <p:cNvPr id="1" name=""/>
+        <p:cNvGrpSpPr/>
+        <p:nvPr/>
+      </p:nvGrpSpPr>
+      <p:grpSpPr>
+        <a:xfrm>
+          <a:off x="0" y="0"/>
+          <a:ext cx="0" cy="0"/>
+          <a:chOff x="0" y="0"/>
+          <a:chExt cx="0" cy="0"/>
+        </a:xfrm>
+      </p:grpSpPr>
+      <p:sp>
+        <p:nvSpPr>
+          <p:cNvPr id="2" name="Espace réservé de l'image des diapositives 1"/>
+          <p:cNvSpPr>
+            <a:spLocks noGrp="1" noRot="1" noChangeAspect="1"/>
+          </p:cNvSpPr>
+          <p:nvPr>
+            <p:ph type="sldImg"/>
+          </p:nvPr>
+        </p:nvSpPr>
+        <p:spPr/>
+      </p:sp>
+      <p:sp>
+        <p:nvSpPr>
+          <p:cNvPr id="3" name="Espace réservé des commentaires 2"/>
+          <p:cNvSpPr>
+            <a:spLocks noGrp="1"/>
+          </p:cNvSpPr>
+          <p:nvPr>
+            <p:ph type="body" idx="1"/>
+          </p:nvPr>
+        </p:nvSpPr>
+        <p:spPr/>
+        <p:txBody>
+          <a:bodyPr/>
+          <a:lstStyle/>
+          <a:p>
             <a:pPr marL="0" marR="0" indent="0" algn="l" defTabSz="457200" rtl="0" eaLnBrk="1" fontAlgn="auto" latinLnBrk="0" hangingPunct="1">
               <a:lnSpc>
                 <a:spcPct val="100000"/>
@@ -1618,7 +1763,7 @@
           <a:p>
             <a:fld id="{A9FC9196-54BB-AD41-9E0F-AAFC909136A4}" type="slidenum">
               <a:rPr lang="en-GB" smtClean="0"/>
-              <a:t>21</a:t>
+              <a:t>22</a:t>
             </a:fld>
             <a:endParaRPr lang="en-GB"/>
           </a:p>
@@ -6686,31 +6831,6 @@
       </p:sp>
       <p:pic>
         <p:nvPicPr>
-          <p:cNvPr id="4" name="Espace réservé du contenu 3" descr="Capture d’écran 2021-05-19 à 12.28.01.png"/>
-          <p:cNvPicPr>
-            <a:picLocks noGrp="1" noChangeAspect="1"/>
-          </p:cNvPicPr>
-          <p:nvPr>
-            <p:ph idx="1"/>
-          </p:nvPr>
-        </p:nvPicPr>
-        <p:blipFill>
-          <a:blip r:embed="rId3">
-            <a:extLst>
-              <a:ext uri="{28A0092B-C50C-407E-A947-70E740481C1C}">
-                <a14:useLocalDpi xmlns:a14="http://schemas.microsoft.com/office/drawing/2010/main" val="0"/>
-              </a:ext>
-            </a:extLst>
-          </a:blip>
-          <a:srcRect l="6641" r="6641"/>
-          <a:stretch>
-            <a:fillRect/>
-          </a:stretch>
-        </p:blipFill>
-        <p:spPr/>
-      </p:pic>
-      <p:pic>
-        <p:nvPicPr>
           <p:cNvPr id="5" name="Image 4" descr="Capture d’écran 2021-05-19 à 12.25.58.png"/>
           <p:cNvPicPr>
             <a:picLocks noChangeAspect="1"/>
@@ -6718,7 +6838,7 @@
           <p:nvPr/>
         </p:nvPicPr>
         <p:blipFill>
-          <a:blip r:embed="rId4">
+          <a:blip r:embed="rId3">
             <a:extLst>
               <a:ext uri="{28A0092B-C50C-407E-A947-70E740481C1C}">
                 <a14:useLocalDpi xmlns:a14="http://schemas.microsoft.com/office/drawing/2010/main" val="0"/>
@@ -6731,7 +6851,7 @@
         </p:blipFill>
         <p:spPr>
           <a:xfrm>
-            <a:off x="904698" y="884673"/>
+            <a:off x="904698" y="1747068"/>
             <a:ext cx="6198581" cy="2931552"/>
           </a:xfrm>
           <a:prstGeom prst="rect">
@@ -6748,7 +6868,7 @@
           <p:nvPr/>
         </p:nvPicPr>
         <p:blipFill>
-          <a:blip r:embed="rId5">
+          <a:blip r:embed="rId4">
             <a:extLst>
               <a:ext uri="{28A0092B-C50C-407E-A947-70E740481C1C}">
                 <a14:useLocalDpi xmlns:a14="http://schemas.microsoft.com/office/drawing/2010/main" val="0"/>
@@ -6769,6 +6889,25 @@
           </a:prstGeom>
         </p:spPr>
       </p:pic>
+      <p:sp>
+        <p:nvSpPr>
+          <p:cNvPr id="3" name="Espace réservé du contenu 2"/>
+          <p:cNvSpPr>
+            <a:spLocks noGrp="1"/>
+          </p:cNvSpPr>
+          <p:nvPr>
+            <p:ph idx="1"/>
+          </p:nvPr>
+        </p:nvSpPr>
+        <p:spPr/>
+        <p:txBody>
+          <a:bodyPr/>
+          <a:lstStyle/>
+          <a:p>
+            <a:endParaRPr lang="en-GB" dirty="0"/>
+          </a:p>
+        </p:txBody>
+      </p:sp>
     </p:spTree>
     <p:extLst>
       <p:ext uri="{BB962C8B-B14F-4D97-AF65-F5344CB8AC3E}">
@@ -6783,6 +6922,180 @@
 </file>
 
 <file path=ppt/slides/slide19.xml><?xml version="1.0" encoding="utf-8"?>
+<p:sld xmlns:a="http://schemas.openxmlformats.org/drawingml/2006/main" xmlns:r="http://schemas.openxmlformats.org/officeDocument/2006/relationships" xmlns:p="http://schemas.openxmlformats.org/presentationml/2006/main">
+  <p:cSld>
+    <p:spTree>
+      <p:nvGrpSpPr>
+        <p:cNvPr id="1" name=""/>
+        <p:cNvGrpSpPr/>
+        <p:nvPr/>
+      </p:nvGrpSpPr>
+      <p:grpSpPr>
+        <a:xfrm>
+          <a:off x="0" y="0"/>
+          <a:ext cx="0" cy="0"/>
+          <a:chOff x="0" y="0"/>
+          <a:chExt cx="0" cy="0"/>
+        </a:xfrm>
+      </p:grpSpPr>
+      <p:sp>
+        <p:nvSpPr>
+          <p:cNvPr id="2" name="Titre 1"/>
+          <p:cNvSpPr>
+            <a:spLocks noGrp="1"/>
+          </p:cNvSpPr>
+          <p:nvPr>
+            <p:ph type="title"/>
+          </p:nvPr>
+        </p:nvSpPr>
+        <p:spPr/>
+        <p:txBody>
+          <a:bodyPr/>
+          <a:lstStyle/>
+          <a:p>
+            <a:pPr algn="ctr"/>
+            <a:r>
+              <a:rPr lang="en-GB" sz="3600" dirty="0" err="1" smtClean="0"/>
+              <a:t>Vitesse</a:t>
+            </a:r>
+            <a:r>
+              <a:rPr lang="en-GB" sz="3600" dirty="0" smtClean="0"/>
+              <a:t> du site après modification</a:t>
+            </a:r>
+            <a:endParaRPr lang="en-GB" sz="3600" dirty="0"/>
+          </a:p>
+        </p:txBody>
+      </p:sp>
+      <p:pic>
+        <p:nvPicPr>
+          <p:cNvPr id="4" name="Image 3" descr="Capture d’écran 2021-06-05 à 10.32.26.png"/>
+          <p:cNvPicPr>
+            <a:picLocks noChangeAspect="1"/>
+          </p:cNvPicPr>
+          <p:nvPr/>
+        </p:nvPicPr>
+        <p:blipFill>
+          <a:blip r:embed="rId3">
+            <a:extLst>
+              <a:ext uri="{28A0092B-C50C-407E-A947-70E740481C1C}">
+                <a14:useLocalDpi xmlns:a14="http://schemas.microsoft.com/office/drawing/2010/main" val="0"/>
+              </a:ext>
+            </a:extLst>
+          </a:blip>
+          <a:stretch>
+            <a:fillRect/>
+          </a:stretch>
+        </p:blipFill>
+        <p:spPr>
+          <a:xfrm>
+            <a:off x="203810" y="1972898"/>
+            <a:ext cx="8077200" cy="2605635"/>
+          </a:xfrm>
+          <a:prstGeom prst="rect">
+            <a:avLst/>
+          </a:prstGeom>
+        </p:spPr>
+      </p:pic>
+    </p:spTree>
+    <p:extLst>
+      <p:ext uri="{BB962C8B-B14F-4D97-AF65-F5344CB8AC3E}">
+        <p14:creationId xmlns:p14="http://schemas.microsoft.com/office/powerpoint/2010/main" val="4061349365"/>
+      </p:ext>
+    </p:extLst>
+  </p:cSld>
+  <p:clrMapOvr>
+    <a:masterClrMapping/>
+  </p:clrMapOvr>
+</p:sld>
+</file>
+
+<file path=ppt/slides/slide2.xml><?xml version="1.0" encoding="utf-8"?>
+<p:sld xmlns:a="http://schemas.openxmlformats.org/drawingml/2006/main" xmlns:r="http://schemas.openxmlformats.org/officeDocument/2006/relationships" xmlns:p="http://schemas.openxmlformats.org/presentationml/2006/main">
+  <p:cSld>
+    <p:spTree>
+      <p:nvGrpSpPr>
+        <p:cNvPr id="1" name=""/>
+        <p:cNvGrpSpPr/>
+        <p:nvPr/>
+      </p:nvGrpSpPr>
+      <p:grpSpPr>
+        <a:xfrm>
+          <a:off x="0" y="0"/>
+          <a:ext cx="0" cy="0"/>
+          <a:chOff x="0" y="0"/>
+          <a:chExt cx="0" cy="0"/>
+        </a:xfrm>
+      </p:grpSpPr>
+      <p:sp>
+        <p:nvSpPr>
+          <p:cNvPr id="2" name="Titre 1"/>
+          <p:cNvSpPr>
+            <a:spLocks noGrp="1"/>
+          </p:cNvSpPr>
+          <p:nvPr>
+            <p:ph type="title"/>
+          </p:nvPr>
+        </p:nvSpPr>
+        <p:spPr/>
+        <p:txBody>
+          <a:bodyPr>
+            <a:normAutofit/>
+          </a:bodyPr>
+          <a:lstStyle/>
+          <a:p>
+            <a:pPr algn="ctr"/>
+            <a:r>
+              <a:rPr lang="en-GB" dirty="0" smtClean="0"/>
+              <a:t>Analyse performance</a:t>
+            </a:r>
+            <a:endParaRPr lang="en-GB" dirty="0"/>
+          </a:p>
+        </p:txBody>
+      </p:sp>
+      <p:pic>
+        <p:nvPicPr>
+          <p:cNvPr id="4" name="Espace réservé du contenu 3" descr="Capture d’écran 2021-05-25 à 11.04.35.png"/>
+          <p:cNvPicPr>
+            <a:picLocks noGrp="1" noChangeAspect="1"/>
+          </p:cNvPicPr>
+          <p:nvPr>
+            <p:ph sz="half" idx="2"/>
+          </p:nvPr>
+        </p:nvPicPr>
+        <p:blipFill>
+          <a:blip r:embed="rId3">
+            <a:extLst>
+              <a:ext uri="{28A0092B-C50C-407E-A947-70E740481C1C}">
+                <a14:useLocalDpi xmlns:a14="http://schemas.microsoft.com/office/drawing/2010/main" val="0"/>
+              </a:ext>
+            </a:extLst>
+          </a:blip>
+          <a:srcRect t="-66056" b="-66056"/>
+          <a:stretch>
+            <a:fillRect/>
+          </a:stretch>
+        </p:blipFill>
+        <p:spPr>
+          <a:xfrm>
+            <a:off x="457200" y="927008"/>
+            <a:ext cx="7985081" cy="5440362"/>
+          </a:xfrm>
+        </p:spPr>
+      </p:pic>
+    </p:spTree>
+    <p:extLst>
+      <p:ext uri="{BB962C8B-B14F-4D97-AF65-F5344CB8AC3E}">
+        <p14:creationId xmlns:p14="http://schemas.microsoft.com/office/powerpoint/2010/main" val="3261749628"/>
+      </p:ext>
+    </p:extLst>
+  </p:cSld>
+  <p:clrMapOvr>
+    <a:masterClrMapping/>
+  </p:clrMapOvr>
+</p:sld>
+</file>
+
+<file path=ppt/slides/slide20.xml><?xml version="1.0" encoding="utf-8"?>
 <p:sld xmlns:a="http://schemas.openxmlformats.org/drawingml/2006/main" xmlns:r="http://schemas.openxmlformats.org/officeDocument/2006/relationships" xmlns:p="http://schemas.openxmlformats.org/presentationml/2006/main">
   <p:cSld>
     <p:spTree>
@@ -6896,171 +7209,6 @@
 </p:sld>
 </file>
 
-<file path=ppt/slides/slide2.xml><?xml version="1.0" encoding="utf-8"?>
-<p:sld xmlns:a="http://schemas.openxmlformats.org/drawingml/2006/main" xmlns:r="http://schemas.openxmlformats.org/officeDocument/2006/relationships" xmlns:p="http://schemas.openxmlformats.org/presentationml/2006/main">
-  <p:cSld>
-    <p:spTree>
-      <p:nvGrpSpPr>
-        <p:cNvPr id="1" name=""/>
-        <p:cNvGrpSpPr/>
-        <p:nvPr/>
-      </p:nvGrpSpPr>
-      <p:grpSpPr>
-        <a:xfrm>
-          <a:off x="0" y="0"/>
-          <a:ext cx="0" cy="0"/>
-          <a:chOff x="0" y="0"/>
-          <a:chExt cx="0" cy="0"/>
-        </a:xfrm>
-      </p:grpSpPr>
-      <p:sp>
-        <p:nvSpPr>
-          <p:cNvPr id="2" name="Titre 1"/>
-          <p:cNvSpPr>
-            <a:spLocks noGrp="1"/>
-          </p:cNvSpPr>
-          <p:nvPr>
-            <p:ph type="title"/>
-          </p:nvPr>
-        </p:nvSpPr>
-        <p:spPr/>
-        <p:txBody>
-          <a:bodyPr>
-            <a:normAutofit/>
-          </a:bodyPr>
-          <a:lstStyle/>
-          <a:p>
-            <a:pPr algn="ctr"/>
-            <a:r>
-              <a:rPr lang="en-GB" dirty="0" smtClean="0"/>
-              <a:t>Analyse performance</a:t>
-            </a:r>
-            <a:endParaRPr lang="en-GB" dirty="0"/>
-          </a:p>
-        </p:txBody>
-      </p:sp>
-      <p:pic>
-        <p:nvPicPr>
-          <p:cNvPr id="4" name="Espace réservé du contenu 3" descr="Capture d’écran 2021-05-25 à 11.04.35.png"/>
-          <p:cNvPicPr>
-            <a:picLocks noGrp="1" noChangeAspect="1"/>
-          </p:cNvPicPr>
-          <p:nvPr>
-            <p:ph sz="half" idx="2"/>
-          </p:nvPr>
-        </p:nvPicPr>
-        <p:blipFill>
-          <a:blip r:embed="rId3">
-            <a:extLst>
-              <a:ext uri="{28A0092B-C50C-407E-A947-70E740481C1C}">
-                <a14:useLocalDpi xmlns:a14="http://schemas.microsoft.com/office/drawing/2010/main" val="0"/>
-              </a:ext>
-            </a:extLst>
-          </a:blip>
-          <a:srcRect t="-66056" b="-66056"/>
-          <a:stretch>
-            <a:fillRect/>
-          </a:stretch>
-        </p:blipFill>
-        <p:spPr>
-          <a:xfrm>
-            <a:off x="457200" y="927008"/>
-            <a:ext cx="7985081" cy="5440362"/>
-          </a:xfrm>
-        </p:spPr>
-      </p:pic>
-    </p:spTree>
-    <p:extLst>
-      <p:ext uri="{BB962C8B-B14F-4D97-AF65-F5344CB8AC3E}">
-        <p14:creationId xmlns:p14="http://schemas.microsoft.com/office/powerpoint/2010/main" val="3261749628"/>
-      </p:ext>
-    </p:extLst>
-  </p:cSld>
-  <p:clrMapOvr>
-    <a:masterClrMapping/>
-  </p:clrMapOvr>
-</p:sld>
-</file>
-
-<file path=ppt/slides/slide20.xml><?xml version="1.0" encoding="utf-8"?>
-<p:sld xmlns:a="http://schemas.openxmlformats.org/drawingml/2006/main" xmlns:r="http://schemas.openxmlformats.org/officeDocument/2006/relationships" xmlns:p="http://schemas.openxmlformats.org/presentationml/2006/main">
-  <p:cSld>
-    <p:spTree>
-      <p:nvGrpSpPr>
-        <p:cNvPr id="1" name=""/>
-        <p:cNvGrpSpPr/>
-        <p:nvPr/>
-      </p:nvGrpSpPr>
-      <p:grpSpPr>
-        <a:xfrm>
-          <a:off x="0" y="0"/>
-          <a:ext cx="0" cy="0"/>
-          <a:chOff x="0" y="0"/>
-          <a:chExt cx="0" cy="0"/>
-        </a:xfrm>
-      </p:grpSpPr>
-      <p:sp>
-        <p:nvSpPr>
-          <p:cNvPr id="2" name="Titre 1"/>
-          <p:cNvSpPr>
-            <a:spLocks noGrp="1"/>
-          </p:cNvSpPr>
-          <p:nvPr>
-            <p:ph type="title"/>
-          </p:nvPr>
-        </p:nvSpPr>
-        <p:spPr/>
-        <p:txBody>
-          <a:bodyPr/>
-          <a:lstStyle/>
-          <a:p>
-            <a:pPr algn="ctr"/>
-            <a:r>
-              <a:rPr lang="en-GB" dirty="0" smtClean="0"/>
-              <a:t>Chargement des scripts</a:t>
-            </a:r>
-            <a:endParaRPr lang="en-GB" dirty="0"/>
-          </a:p>
-        </p:txBody>
-      </p:sp>
-      <p:pic>
-        <p:nvPicPr>
-          <p:cNvPr id="4" name="Espace réservé du contenu 3" descr="Capture d’écran 2021-05-19 à 11.08.56.png"/>
-          <p:cNvPicPr>
-            <a:picLocks noGrp="1" noChangeAspect="1"/>
-          </p:cNvPicPr>
-          <p:nvPr>
-            <p:ph idx="1"/>
-          </p:nvPr>
-        </p:nvPicPr>
-        <p:blipFill>
-          <a:blip r:embed="rId3">
-            <a:extLst>
-              <a:ext uri="{28A0092B-C50C-407E-A947-70E740481C1C}">
-                <a14:useLocalDpi xmlns:a14="http://schemas.microsoft.com/office/drawing/2010/main" val="0"/>
-              </a:ext>
-            </a:extLst>
-          </a:blip>
-          <a:srcRect l="30503" r="30503"/>
-          <a:stretch>
-            <a:fillRect/>
-          </a:stretch>
-        </p:blipFill>
-        <p:spPr/>
-      </p:pic>
-    </p:spTree>
-    <p:extLst>
-      <p:ext uri="{BB962C8B-B14F-4D97-AF65-F5344CB8AC3E}">
-        <p14:creationId xmlns:p14="http://schemas.microsoft.com/office/powerpoint/2010/main" val="2650325112"/>
-      </p:ext>
-    </p:extLst>
-  </p:cSld>
-  <p:clrMapOvr>
-    <a:masterClrMapping/>
-  </p:clrMapOvr>
-</p:sld>
-</file>
-
 <file path=ppt/slides/slide21.xml><?xml version="1.0" encoding="utf-8"?>
 <p:sld xmlns:a="http://schemas.openxmlformats.org/drawingml/2006/main" xmlns:r="http://schemas.openxmlformats.org/officeDocument/2006/relationships" xmlns:p="http://schemas.openxmlformats.org/presentationml/2006/main">
   <p:cSld>
@@ -7104,7 +7252,7 @@
       </p:sp>
       <p:pic>
         <p:nvPicPr>
-          <p:cNvPr id="4" name="Espace réservé du contenu 3" descr="Capture d’écran 2021-05-19 à 10.36.47.png"/>
+          <p:cNvPr id="4" name="Espace réservé du contenu 3" descr="Capture d’écran 2021-05-19 à 11.08.56.png"/>
           <p:cNvPicPr>
             <a:picLocks noGrp="1" noChangeAspect="1"/>
           </p:cNvPicPr>
@@ -7120,7 +7268,7 @@
               </a:ext>
             </a:extLst>
           </a:blip>
-          <a:srcRect l="33720" r="33720"/>
+          <a:srcRect t="-78227" b="-78227"/>
           <a:stretch>
             <a:fillRect/>
           </a:stretch>
@@ -7130,7 +7278,7 @@
     </p:spTree>
     <p:extLst>
       <p:ext uri="{BB962C8B-B14F-4D97-AF65-F5344CB8AC3E}">
-        <p14:creationId xmlns:p14="http://schemas.microsoft.com/office/powerpoint/2010/main" val="3747429835"/>
+        <p14:creationId xmlns:p14="http://schemas.microsoft.com/office/powerpoint/2010/main" val="2650325112"/>
       </p:ext>
     </p:extLst>
   </p:cSld>
@@ -7169,6 +7317,85 @@
         </p:nvSpPr>
         <p:spPr/>
         <p:txBody>
+          <a:bodyPr/>
+          <a:lstStyle/>
+          <a:p>
+            <a:pPr algn="ctr"/>
+            <a:r>
+              <a:rPr lang="en-GB" dirty="0" smtClean="0"/>
+              <a:t>Chargement des scripts</a:t>
+            </a:r>
+            <a:endParaRPr lang="en-GB" dirty="0"/>
+          </a:p>
+        </p:txBody>
+      </p:sp>
+      <p:pic>
+        <p:nvPicPr>
+          <p:cNvPr id="4" name="Espace réservé du contenu 3" descr="Capture d’écran 2021-05-19 à 10.36.47.png"/>
+          <p:cNvPicPr>
+            <a:picLocks noGrp="1" noChangeAspect="1"/>
+          </p:cNvPicPr>
+          <p:nvPr>
+            <p:ph idx="1"/>
+          </p:nvPr>
+        </p:nvPicPr>
+        <p:blipFill>
+          <a:blip r:embed="rId3">
+            <a:extLst>
+              <a:ext uri="{28A0092B-C50C-407E-A947-70E740481C1C}">
+                <a14:useLocalDpi xmlns:a14="http://schemas.microsoft.com/office/drawing/2010/main" val="0"/>
+              </a:ext>
+            </a:extLst>
+          </a:blip>
+          <a:srcRect t="-103563" b="-103563"/>
+          <a:stretch>
+            <a:fillRect/>
+          </a:stretch>
+        </p:blipFill>
+        <p:spPr/>
+      </p:pic>
+    </p:spTree>
+    <p:extLst>
+      <p:ext uri="{BB962C8B-B14F-4D97-AF65-F5344CB8AC3E}">
+        <p14:creationId xmlns:p14="http://schemas.microsoft.com/office/powerpoint/2010/main" val="3747429835"/>
+      </p:ext>
+    </p:extLst>
+  </p:cSld>
+  <p:clrMapOvr>
+    <a:masterClrMapping/>
+  </p:clrMapOvr>
+</p:sld>
+</file>
+
+<file path=ppt/slides/slide23.xml><?xml version="1.0" encoding="utf-8"?>
+<p:sld xmlns:a="http://schemas.openxmlformats.org/drawingml/2006/main" xmlns:r="http://schemas.openxmlformats.org/officeDocument/2006/relationships" xmlns:p="http://schemas.openxmlformats.org/presentationml/2006/main">
+  <p:cSld>
+    <p:spTree>
+      <p:nvGrpSpPr>
+        <p:cNvPr id="1" name=""/>
+        <p:cNvGrpSpPr/>
+        <p:nvPr/>
+      </p:nvGrpSpPr>
+      <p:grpSpPr>
+        <a:xfrm>
+          <a:off x="0" y="0"/>
+          <a:ext cx="0" cy="0"/>
+          <a:chOff x="0" y="0"/>
+          <a:chExt cx="0" cy="0"/>
+        </a:xfrm>
+      </p:grpSpPr>
+      <p:sp>
+        <p:nvSpPr>
+          <p:cNvPr id="2" name="Titre 1"/>
+          <p:cNvSpPr>
+            <a:spLocks noGrp="1"/>
+          </p:cNvSpPr>
+          <p:nvPr>
+            <p:ph type="title"/>
+          </p:nvPr>
+        </p:nvSpPr>
+        <p:spPr/>
+        <p:txBody>
           <a:bodyPr>
             <a:normAutofit fontScale="90000"/>
           </a:bodyPr>
@@ -7311,7 +7538,6 @@
               <a:rPr lang="fr-FR" sz="1600" dirty="0"/>
               <a:t> mobile </a:t>
             </a:r>
-            <a:endParaRPr lang="fr-FR" sz="1600" dirty="0"/>
           </a:p>
           <a:p>
             <a:r>
@@ -7393,7 +7619,7 @@
       </p:sp>
       <p:pic>
         <p:nvPicPr>
-          <p:cNvPr id="6" name="Espace réservé du contenu 5" descr="Capture d’écran 2021-05-25 à 09.22.19.png"/>
+          <p:cNvPr id="7" name="Espace réservé du contenu 6" descr="Capture d’écran 2021-06-05 à 10.19.57.png"/>
           <p:cNvPicPr>
             <a:picLocks noGrp="1" noChangeAspect="1"/>
           </p:cNvPicPr>
@@ -7401,7 +7627,7 @@
             <p:ph idx="1"/>
           </p:nvPr>
         </p:nvPicPr>
-        <p:blipFill rotWithShape="1">
+        <p:blipFill>
           <a:blip r:embed="rId2">
             <a:extLst>
               <a:ext uri="{28A0092B-C50C-407E-A947-70E740481C1C}">
@@ -7409,44 +7635,16 @@
               </a:ext>
             </a:extLst>
           </a:blip>
-          <a:srcRect t="4588" b="666"/>
-          <a:stretch/>
-        </p:blipFill>
-        <p:spPr>
-          <a:xfrm>
-            <a:off x="212450" y="1417638"/>
-            <a:ext cx="8229600" cy="2929351"/>
-          </a:xfrm>
-        </p:spPr>
-      </p:pic>
-      <p:pic>
-        <p:nvPicPr>
-          <p:cNvPr id="5" name="Image 4" descr="Capture d’écran 2021-05-19 à 23.40.45.png"/>
-          <p:cNvPicPr>
-            <a:picLocks noChangeAspect="1"/>
-          </p:cNvPicPr>
-          <p:nvPr/>
-        </p:nvPicPr>
-        <p:blipFill>
-          <a:blip r:embed="rId3">
-            <a:extLst>
-              <a:ext uri="{28A0092B-C50C-407E-A947-70E740481C1C}">
-                <a14:useLocalDpi xmlns:a14="http://schemas.microsoft.com/office/drawing/2010/main" val="0"/>
-              </a:ext>
-            </a:extLst>
-          </a:blip>
+          <a:srcRect l="-306" r="-306"/>
           <a:stretch>
             <a:fillRect/>
           </a:stretch>
         </p:blipFill>
         <p:spPr>
           <a:xfrm>
-            <a:off x="701719" y="4346989"/>
-            <a:ext cx="7235467" cy="2498483"/>
+            <a:off x="457200" y="1417638"/>
+            <a:ext cx="7620000" cy="3239295"/>
           </a:xfrm>
-          <a:prstGeom prst="rect">
-            <a:avLst/>
-          </a:prstGeom>
         </p:spPr>
       </p:pic>
     </p:spTree>
